--- a/workdoc/Bringup_oppo_custom/BringupFramework.pptx
+++ b/workdoc/Bringup_oppo_custom/BringupFramework.pptx
@@ -5,10 +5,10 @@
     <p:sldMasterId id="2147483648" r:id="rId1"/>
   </p:sldMasterIdLst>
   <p:notesMasterIdLst>
-    <p:notesMasterId r:id="rId11"/>
+    <p:notesMasterId r:id="rId12"/>
   </p:notesMasterIdLst>
   <p:handoutMasterIdLst>
-    <p:handoutMasterId r:id="rId12"/>
+    <p:handoutMasterId r:id="rId13"/>
   </p:handoutMasterIdLst>
   <p:sldIdLst>
     <p:sldId id="256" r:id="rId3"/>
@@ -19,6 +19,7 @@
     <p:sldId id="261" r:id="rId8"/>
     <p:sldId id="262" r:id="rId9"/>
     <p:sldId id="263" r:id="rId10"/>
+    <p:sldId id="264" r:id="rId11"/>
   </p:sldIdLst>
   <p:sldSz cx="12192000" cy="6858000"/>
   <p:notesSz cx="7103745" cy="10234295"/>
@@ -4006,7 +4007,7 @@
         </p:nvSpPr>
         <p:spPr>
           <a:xfrm>
-            <a:off x="4187825" y="2508885"/>
+            <a:off x="4187825" y="2519045"/>
             <a:ext cx="942340" cy="368300"/>
           </a:xfrm>
           <a:prstGeom prst="rect">
@@ -8981,6 +8982,700 @@
             <a:r>
               <a:rPr lang="en-US"/>
               <a:t>usb3.0</a:t>
+            </a:r>
+            <a:endParaRPr lang="en-US"/>
+          </a:p>
+        </p:txBody>
+      </p:sp>
+    </p:spTree>
+  </p:cSld>
+  <p:clrMapOvr>
+    <a:masterClrMapping/>
+  </p:clrMapOvr>
+</p:sld>
+</file>
+
+<file path=ppt/slides/slide9.xml><?xml version="1.0" encoding="utf-8"?>
+<p:sld xmlns:a="http://schemas.openxmlformats.org/drawingml/2006/main" xmlns:r="http://schemas.openxmlformats.org/officeDocument/2006/relationships" xmlns:p="http://schemas.openxmlformats.org/presentationml/2006/main">
+  <p:cSld>
+    <p:spTree>
+      <p:nvGrpSpPr>
+        <p:cNvPr id="1" name=""/>
+        <p:cNvGrpSpPr/>
+        <p:nvPr/>
+      </p:nvGrpSpPr>
+      <p:grpSpPr/>
+      <p:sp>
+        <p:nvSpPr>
+          <p:cNvPr id="25" name="Rounded Rectangle 24"/>
+          <p:cNvSpPr/>
+          <p:nvPr/>
+        </p:nvSpPr>
+        <p:spPr>
+          <a:xfrm>
+            <a:off x="4333240" y="3693795"/>
+            <a:ext cx="2626360" cy="1165860"/>
+          </a:xfrm>
+          <a:prstGeom prst="roundRect">
+            <a:avLst/>
+          </a:prstGeom>
+        </p:spPr>
+        <p:style>
+          <a:lnRef idx="2">
+            <a:schemeClr val="accent1"/>
+          </a:lnRef>
+          <a:fillRef idx="1">
+            <a:schemeClr val="lt1"/>
+          </a:fillRef>
+          <a:effectRef idx="0">
+            <a:schemeClr val="accent1"/>
+          </a:effectRef>
+          <a:fontRef idx="minor">
+            <a:schemeClr val="dk1"/>
+          </a:fontRef>
+        </p:style>
+        <p:txBody>
+          <a:bodyPr rtlCol="0" anchor="ctr"/>
+          <a:p>
+            <a:pPr algn="ctr"/>
+            <a:endParaRPr lang="en-US"/>
+          </a:p>
+        </p:txBody>
+      </p:sp>
+      <p:sp>
+        <p:nvSpPr>
+          <p:cNvPr id="5" name="Rounded Rectangle 4"/>
+          <p:cNvSpPr/>
+          <p:nvPr/>
+        </p:nvSpPr>
+        <p:spPr>
+          <a:xfrm>
+            <a:off x="1532255" y="6196965"/>
+            <a:ext cx="1410335" cy="510540"/>
+          </a:xfrm>
+          <a:prstGeom prst="roundRect">
+            <a:avLst/>
+          </a:prstGeom>
+        </p:spPr>
+        <p:style>
+          <a:lnRef idx="1">
+            <a:schemeClr val="accent2"/>
+          </a:lnRef>
+          <a:fillRef idx="2">
+            <a:schemeClr val="accent2"/>
+          </a:fillRef>
+          <a:effectRef idx="1">
+            <a:schemeClr val="accent2"/>
+          </a:effectRef>
+          <a:fontRef idx="minor">
+            <a:schemeClr val="dk1"/>
+          </a:fontRef>
+        </p:style>
+        <p:txBody>
+          <a:bodyPr rtlCol="0" anchor="ctr"/>
+          <a:p>
+            <a:pPr algn="ctr"/>
+            <a:r>
+              <a:rPr lang="en-US"/>
+              <a:t>HW_INIT</a:t>
+            </a:r>
+            <a:endParaRPr lang="en-US"/>
+          </a:p>
+        </p:txBody>
+      </p:sp>
+      <p:sp>
+        <p:nvSpPr>
+          <p:cNvPr id="6" name="Rounded Rectangle 5"/>
+          <p:cNvSpPr/>
+          <p:nvPr/>
+        </p:nvSpPr>
+        <p:spPr>
+          <a:xfrm>
+            <a:off x="1532255" y="3622675"/>
+            <a:ext cx="1410335" cy="510540"/>
+          </a:xfrm>
+          <a:prstGeom prst="roundRect">
+            <a:avLst/>
+          </a:prstGeom>
+        </p:spPr>
+        <p:style>
+          <a:lnRef idx="1">
+            <a:schemeClr val="accent1"/>
+          </a:lnRef>
+          <a:fillRef idx="2">
+            <a:schemeClr val="accent1"/>
+          </a:fillRef>
+          <a:effectRef idx="1">
+            <a:schemeClr val="accent1"/>
+          </a:effectRef>
+          <a:fontRef idx="minor">
+            <a:schemeClr val="dk1"/>
+          </a:fontRef>
+        </p:style>
+        <p:txBody>
+          <a:bodyPr rtlCol="0" anchor="ctr"/>
+          <a:p>
+            <a:pPr algn="ctr"/>
+            <a:r>
+              <a:rPr lang="en-US"/>
+              <a:t>DRIVER</a:t>
+            </a:r>
+            <a:endParaRPr lang="en-US"/>
+          </a:p>
+        </p:txBody>
+      </p:sp>
+      <p:sp>
+        <p:nvSpPr>
+          <p:cNvPr id="7" name="Rounded Rectangle 6"/>
+          <p:cNvSpPr/>
+          <p:nvPr/>
+        </p:nvSpPr>
+        <p:spPr>
+          <a:xfrm>
+            <a:off x="1532255" y="1200785"/>
+            <a:ext cx="1410335" cy="510540"/>
+          </a:xfrm>
+          <a:prstGeom prst="roundRect">
+            <a:avLst/>
+          </a:prstGeom>
+        </p:spPr>
+        <p:style>
+          <a:lnRef idx="3">
+            <a:schemeClr val="lt1"/>
+          </a:lnRef>
+          <a:fillRef idx="1">
+            <a:schemeClr val="accent6"/>
+          </a:fillRef>
+          <a:effectRef idx="1">
+            <a:schemeClr val="accent6"/>
+          </a:effectRef>
+          <a:fontRef idx="minor">
+            <a:schemeClr val="lt1"/>
+          </a:fontRef>
+        </p:style>
+        <p:txBody>
+          <a:bodyPr rtlCol="0" anchor="ctr"/>
+          <a:p>
+            <a:pPr algn="ctr"/>
+            <a:r>
+              <a:rPr lang="en-US"/>
+              <a:t>FUNCTION</a:t>
+            </a:r>
+            <a:endParaRPr lang="en-US"/>
+          </a:p>
+        </p:txBody>
+      </p:sp>
+      <p:sp>
+        <p:nvSpPr>
+          <p:cNvPr id="8" name="Rounded Rectangle 7"/>
+          <p:cNvSpPr/>
+          <p:nvPr/>
+        </p:nvSpPr>
+        <p:spPr>
+          <a:xfrm>
+            <a:off x="3309620" y="3315970"/>
+            <a:ext cx="796925" cy="306705"/>
+          </a:xfrm>
+          <a:prstGeom prst="roundRect">
+            <a:avLst/>
+          </a:prstGeom>
+        </p:spPr>
+        <p:style>
+          <a:lnRef idx="2">
+            <a:schemeClr val="accent1">
+              <a:shade val="50000"/>
+            </a:schemeClr>
+          </a:lnRef>
+          <a:fillRef idx="1">
+            <a:schemeClr val="accent1"/>
+          </a:fillRef>
+          <a:effectRef idx="0">
+            <a:schemeClr val="accent1"/>
+          </a:effectRef>
+          <a:fontRef idx="minor">
+            <a:schemeClr val="lt1"/>
+          </a:fontRef>
+        </p:style>
+        <p:txBody>
+          <a:bodyPr rtlCol="0" anchor="ctr"/>
+          <a:p>
+            <a:pPr algn="ctr"/>
+            <a:r>
+              <a:rPr lang="en-US"/>
+              <a:t>GPIO</a:t>
+            </a:r>
+            <a:endParaRPr lang="en-US"/>
+          </a:p>
+        </p:txBody>
+      </p:sp>
+      <p:sp>
+        <p:nvSpPr>
+          <p:cNvPr id="10" name="Rounded Rectangle 9"/>
+          <p:cNvSpPr/>
+          <p:nvPr/>
+        </p:nvSpPr>
+        <p:spPr>
+          <a:xfrm>
+            <a:off x="3309620" y="3693795"/>
+            <a:ext cx="796925" cy="306705"/>
+          </a:xfrm>
+          <a:prstGeom prst="roundRect">
+            <a:avLst/>
+          </a:prstGeom>
+        </p:spPr>
+        <p:style>
+          <a:lnRef idx="2">
+            <a:schemeClr val="accent1">
+              <a:shade val="50000"/>
+            </a:schemeClr>
+          </a:lnRef>
+          <a:fillRef idx="1">
+            <a:schemeClr val="accent1"/>
+          </a:fillRef>
+          <a:effectRef idx="0">
+            <a:schemeClr val="accent1"/>
+          </a:effectRef>
+          <a:fontRef idx="minor">
+            <a:schemeClr val="lt1"/>
+          </a:fontRef>
+        </p:style>
+        <p:txBody>
+          <a:bodyPr rtlCol="0" anchor="ctr"/>
+          <a:p>
+            <a:pPr algn="ctr"/>
+            <a:r>
+              <a:rPr lang="en-US"/>
+              <a:t>SPI</a:t>
+            </a:r>
+            <a:endParaRPr lang="en-US"/>
+          </a:p>
+        </p:txBody>
+      </p:sp>
+      <p:sp>
+        <p:nvSpPr>
+          <p:cNvPr id="11" name="Rounded Rectangle 10"/>
+          <p:cNvSpPr/>
+          <p:nvPr/>
+        </p:nvSpPr>
+        <p:spPr>
+          <a:xfrm>
+            <a:off x="3309620" y="4082415"/>
+            <a:ext cx="796925" cy="306705"/>
+          </a:xfrm>
+          <a:prstGeom prst="roundRect">
+            <a:avLst/>
+          </a:prstGeom>
+        </p:spPr>
+        <p:style>
+          <a:lnRef idx="2">
+            <a:schemeClr val="accent1">
+              <a:shade val="50000"/>
+            </a:schemeClr>
+          </a:lnRef>
+          <a:fillRef idx="1">
+            <a:schemeClr val="accent1"/>
+          </a:fillRef>
+          <a:effectRef idx="0">
+            <a:schemeClr val="accent1"/>
+          </a:effectRef>
+          <a:fontRef idx="minor">
+            <a:schemeClr val="lt1"/>
+          </a:fontRef>
+        </p:style>
+        <p:txBody>
+          <a:bodyPr rtlCol="0" anchor="ctr"/>
+          <a:p>
+            <a:pPr algn="ctr"/>
+            <a:r>
+              <a:rPr lang="en-US"/>
+              <a:t>IIC</a:t>
+            </a:r>
+            <a:endParaRPr lang="en-US"/>
+          </a:p>
+        </p:txBody>
+      </p:sp>
+      <p:sp>
+        <p:nvSpPr>
+          <p:cNvPr id="12" name="Rounded Rectangle 11"/>
+          <p:cNvSpPr/>
+          <p:nvPr/>
+        </p:nvSpPr>
+        <p:spPr>
+          <a:xfrm>
+            <a:off x="4526915" y="3954780"/>
+            <a:ext cx="918845" cy="306705"/>
+          </a:xfrm>
+          <a:prstGeom prst="roundRect">
+            <a:avLst/>
+          </a:prstGeom>
+        </p:spPr>
+        <p:style>
+          <a:lnRef idx="2">
+            <a:schemeClr val="accent3">
+              <a:shade val="50000"/>
+            </a:schemeClr>
+          </a:lnRef>
+          <a:fillRef idx="1">
+            <a:schemeClr val="accent3"/>
+          </a:fillRef>
+          <a:effectRef idx="0">
+            <a:schemeClr val="accent3"/>
+          </a:effectRef>
+          <a:fontRef idx="minor">
+            <a:schemeClr val="lt1"/>
+          </a:fontRef>
+        </p:style>
+        <p:txBody>
+          <a:bodyPr rtlCol="0" anchor="ctr"/>
+          <a:p>
+            <a:pPr algn="ctr"/>
+            <a:r>
+              <a:rPr lang="en-US"/>
+              <a:t>Bridge</a:t>
+            </a:r>
+            <a:endParaRPr lang="en-US"/>
+          </a:p>
+        </p:txBody>
+      </p:sp>
+      <p:sp>
+        <p:nvSpPr>
+          <p:cNvPr id="13" name="Rounded Rectangle 12"/>
+          <p:cNvSpPr/>
+          <p:nvPr/>
+        </p:nvSpPr>
+        <p:spPr>
+          <a:xfrm>
+            <a:off x="5518785" y="3954780"/>
+            <a:ext cx="919480" cy="306705"/>
+          </a:xfrm>
+          <a:prstGeom prst="roundRect">
+            <a:avLst/>
+          </a:prstGeom>
+        </p:spPr>
+        <p:style>
+          <a:lnRef idx="2">
+            <a:schemeClr val="accent3">
+              <a:shade val="50000"/>
+            </a:schemeClr>
+          </a:lnRef>
+          <a:fillRef idx="1">
+            <a:schemeClr val="accent3"/>
+          </a:fillRef>
+          <a:effectRef idx="0">
+            <a:schemeClr val="accent3"/>
+          </a:effectRef>
+          <a:fontRef idx="minor">
+            <a:schemeClr val="lt1"/>
+          </a:fontRef>
+        </p:style>
+        <p:txBody>
+          <a:bodyPr rtlCol="0" anchor="ctr"/>
+          <a:p>
+            <a:pPr algn="ctr"/>
+            <a:r>
+              <a:rPr lang="en-US"/>
+              <a:t>Panel</a:t>
+            </a:r>
+            <a:endParaRPr lang="en-US"/>
+          </a:p>
+        </p:txBody>
+      </p:sp>
+      <p:sp>
+        <p:nvSpPr>
+          <p:cNvPr id="14" name="Rounded Rectangle 13"/>
+          <p:cNvSpPr/>
+          <p:nvPr/>
+        </p:nvSpPr>
+        <p:spPr>
+          <a:xfrm>
+            <a:off x="4526915" y="4389120"/>
+            <a:ext cx="1133475" cy="306705"/>
+          </a:xfrm>
+          <a:prstGeom prst="roundRect">
+            <a:avLst/>
+          </a:prstGeom>
+        </p:spPr>
+        <p:style>
+          <a:lnRef idx="2">
+            <a:schemeClr val="accent3">
+              <a:shade val="50000"/>
+            </a:schemeClr>
+          </a:lnRef>
+          <a:fillRef idx="1">
+            <a:schemeClr val="accent3"/>
+          </a:fillRef>
+          <a:effectRef idx="0">
+            <a:schemeClr val="accent3"/>
+          </a:effectRef>
+          <a:fontRef idx="minor">
+            <a:schemeClr val="lt1"/>
+          </a:fontRef>
+        </p:style>
+        <p:txBody>
+          <a:bodyPr rtlCol="0" anchor="ctr"/>
+          <a:p>
+            <a:pPr algn="ctr"/>
+            <a:r>
+              <a:rPr lang="en-US"/>
+              <a:t>Redriver</a:t>
+            </a:r>
+            <a:endParaRPr lang="en-US"/>
+          </a:p>
+        </p:txBody>
+      </p:sp>
+      <p:sp>
+        <p:nvSpPr>
+          <p:cNvPr id="15" name="Rounded Rectangle 14"/>
+          <p:cNvSpPr/>
+          <p:nvPr/>
+        </p:nvSpPr>
+        <p:spPr>
+          <a:xfrm>
+            <a:off x="5732780" y="4389120"/>
+            <a:ext cx="1133475" cy="306705"/>
+          </a:xfrm>
+          <a:prstGeom prst="roundRect">
+            <a:avLst/>
+          </a:prstGeom>
+        </p:spPr>
+        <p:style>
+          <a:lnRef idx="2">
+            <a:schemeClr val="accent3">
+              <a:shade val="50000"/>
+            </a:schemeClr>
+          </a:lnRef>
+          <a:fillRef idx="1">
+            <a:schemeClr val="accent3"/>
+          </a:fillRef>
+          <a:effectRef idx="0">
+            <a:schemeClr val="accent3"/>
+          </a:effectRef>
+          <a:fontRef idx="minor">
+            <a:schemeClr val="lt1"/>
+          </a:fontRef>
+        </p:style>
+        <p:txBody>
+          <a:bodyPr rtlCol="0" anchor="ctr"/>
+          <a:p>
+            <a:pPr algn="ctr"/>
+            <a:r>
+              <a:rPr lang="en-US"/>
+              <a:t>DeMux</a:t>
+            </a:r>
+            <a:endParaRPr lang="en-US"/>
+          </a:p>
+        </p:txBody>
+      </p:sp>
+      <p:sp>
+        <p:nvSpPr>
+          <p:cNvPr id="16" name="Rounded Rectangle 15"/>
+          <p:cNvSpPr/>
+          <p:nvPr/>
+        </p:nvSpPr>
+        <p:spPr>
+          <a:xfrm>
+            <a:off x="3309620" y="6400800"/>
+            <a:ext cx="796925" cy="306705"/>
+          </a:xfrm>
+          <a:prstGeom prst="roundRect">
+            <a:avLst/>
+          </a:prstGeom>
+        </p:spPr>
+        <p:style>
+          <a:lnRef idx="2">
+            <a:schemeClr val="accent1">
+              <a:shade val="50000"/>
+            </a:schemeClr>
+          </a:lnRef>
+          <a:fillRef idx="1">
+            <a:schemeClr val="accent1"/>
+          </a:fillRef>
+          <a:effectRef idx="0">
+            <a:schemeClr val="accent1"/>
+          </a:effectRef>
+          <a:fontRef idx="minor">
+            <a:schemeClr val="lt1"/>
+          </a:fontRef>
+        </p:style>
+        <p:txBody>
+          <a:bodyPr rtlCol="0" anchor="ctr"/>
+          <a:p>
+            <a:pPr algn="ctr"/>
+            <a:r>
+              <a:rPr lang="en-US"/>
+              <a:t>IRQ</a:t>
+            </a:r>
+            <a:endParaRPr lang="en-US"/>
+          </a:p>
+        </p:txBody>
+      </p:sp>
+      <p:sp>
+        <p:nvSpPr>
+          <p:cNvPr id="17" name="Rounded Rectangle 16"/>
+          <p:cNvSpPr/>
+          <p:nvPr/>
+        </p:nvSpPr>
+        <p:spPr>
+          <a:xfrm>
+            <a:off x="4526915" y="6299200"/>
+            <a:ext cx="1910715" cy="306705"/>
+          </a:xfrm>
+          <a:prstGeom prst="roundRect">
+            <a:avLst/>
+          </a:prstGeom>
+        </p:spPr>
+        <p:style>
+          <a:lnRef idx="2">
+            <a:schemeClr val="accent1">
+              <a:shade val="50000"/>
+            </a:schemeClr>
+          </a:lnRef>
+          <a:fillRef idx="1">
+            <a:schemeClr val="accent1"/>
+          </a:fillRef>
+          <a:effectRef idx="0">
+            <a:schemeClr val="accent1"/>
+          </a:effectRef>
+          <a:fontRef idx="minor">
+            <a:schemeClr val="lt1"/>
+          </a:fontRef>
+        </p:style>
+        <p:txBody>
+          <a:bodyPr rtlCol="0" anchor="ctr"/>
+          <a:p>
+            <a:pPr algn="ctr"/>
+            <a:r>
+              <a:rPr lang="en-US"/>
+              <a:t>WATCH  DOG</a:t>
+            </a:r>
+            <a:endParaRPr lang="en-US"/>
+          </a:p>
+        </p:txBody>
+      </p:sp>
+      <p:sp>
+        <p:nvSpPr>
+          <p:cNvPr id="18" name="Rounded Rectangle 17"/>
+          <p:cNvSpPr/>
+          <p:nvPr/>
+        </p:nvSpPr>
+        <p:spPr>
+          <a:xfrm>
+            <a:off x="6866255" y="6299200"/>
+            <a:ext cx="1133475" cy="306705"/>
+          </a:xfrm>
+          <a:prstGeom prst="roundRect">
+            <a:avLst/>
+          </a:prstGeom>
+        </p:spPr>
+        <p:style>
+          <a:lnRef idx="2">
+            <a:schemeClr val="accent1">
+              <a:shade val="50000"/>
+            </a:schemeClr>
+          </a:lnRef>
+          <a:fillRef idx="1">
+            <a:schemeClr val="accent1"/>
+          </a:fillRef>
+          <a:effectRef idx="0">
+            <a:schemeClr val="accent1"/>
+          </a:effectRef>
+          <a:fontRef idx="minor">
+            <a:schemeClr val="lt1"/>
+          </a:fontRef>
+        </p:style>
+        <p:txBody>
+          <a:bodyPr rtlCol="0" anchor="ctr"/>
+          <a:p>
+            <a:pPr algn="ctr"/>
+            <a:r>
+              <a:rPr lang="en-US"/>
+              <a:t>CLOCK</a:t>
+            </a:r>
+            <a:endParaRPr lang="en-US"/>
+          </a:p>
+        </p:txBody>
+      </p:sp>
+      <p:sp>
+        <p:nvSpPr>
+          <p:cNvPr id="23" name="Rounded Rectangle 22"/>
+          <p:cNvSpPr/>
+          <p:nvPr/>
+        </p:nvSpPr>
+        <p:spPr>
+          <a:xfrm>
+            <a:off x="8604250" y="6299835"/>
+            <a:ext cx="1327785" cy="306705"/>
+          </a:xfrm>
+          <a:prstGeom prst="roundRect">
+            <a:avLst/>
+          </a:prstGeom>
+        </p:spPr>
+        <p:style>
+          <a:lnRef idx="2">
+            <a:schemeClr val="accent1">
+              <a:shade val="50000"/>
+            </a:schemeClr>
+          </a:lnRef>
+          <a:fillRef idx="1">
+            <a:schemeClr val="accent1"/>
+          </a:fillRef>
+          <a:effectRef idx="0">
+            <a:schemeClr val="accent1"/>
+          </a:effectRef>
+          <a:fontRef idx="minor">
+            <a:schemeClr val="lt1"/>
+          </a:fontRef>
+        </p:style>
+        <p:txBody>
+          <a:bodyPr rtlCol="0" anchor="ctr"/>
+          <a:p>
+            <a:pPr algn="ctr"/>
+            <a:r>
+              <a:rPr lang="en-US"/>
+              <a:t>MEMORY</a:t>
+            </a:r>
+            <a:endParaRPr lang="en-US"/>
+          </a:p>
+        </p:txBody>
+      </p:sp>
+      <p:sp>
+        <p:nvSpPr>
+          <p:cNvPr id="24" name="Rounded Rectangle 23"/>
+          <p:cNvSpPr/>
+          <p:nvPr/>
+        </p:nvSpPr>
+        <p:spPr>
+          <a:xfrm>
+            <a:off x="1532255" y="5210810"/>
+            <a:ext cx="1410335" cy="510540"/>
+          </a:xfrm>
+          <a:prstGeom prst="roundRect">
+            <a:avLst/>
+          </a:prstGeom>
+        </p:spPr>
+        <p:style>
+          <a:lnRef idx="1">
+            <a:schemeClr val="accent1"/>
+          </a:lnRef>
+          <a:fillRef idx="2">
+            <a:schemeClr val="accent1"/>
+          </a:fillRef>
+          <a:effectRef idx="1">
+            <a:schemeClr val="accent1"/>
+          </a:effectRef>
+          <a:fontRef idx="minor">
+            <a:schemeClr val="dk1"/>
+          </a:fontRef>
+        </p:style>
+        <p:txBody>
+          <a:bodyPr rtlCol="0" anchor="ctr"/>
+          <a:p>
+            <a:pPr algn="ctr"/>
+            <a:r>
+              <a:rPr lang="en-US">
+                <a:sym typeface="+mn-ea"/>
+              </a:rPr>
+              <a:t>Hardware Device</a:t>
             </a:r>
             <a:endParaRPr lang="en-US"/>
           </a:p>

--- a/workdoc/Bringup_oppo_custom/BringupFramework.pptx
+++ b/workdoc/Bringup_oppo_custom/BringupFramework.pptx
@@ -5,10 +5,10 @@
     <p:sldMasterId id="2147483648" r:id="rId1"/>
   </p:sldMasterIdLst>
   <p:notesMasterIdLst>
-    <p:notesMasterId r:id="rId12"/>
+    <p:notesMasterId r:id="rId14"/>
   </p:notesMasterIdLst>
   <p:handoutMasterIdLst>
-    <p:handoutMasterId r:id="rId13"/>
+    <p:handoutMasterId r:id="rId15"/>
   </p:handoutMasterIdLst>
   <p:sldIdLst>
     <p:sldId id="256" r:id="rId3"/>
@@ -20,6 +20,8 @@
     <p:sldId id="262" r:id="rId9"/>
     <p:sldId id="263" r:id="rId10"/>
     <p:sldId id="264" r:id="rId11"/>
+    <p:sldId id="265" r:id="rId12"/>
+    <p:sldId id="266" r:id="rId13"/>
   </p:sldIdLst>
   <p:sldSz cx="12192000" cy="6858000"/>
   <p:notesSz cx="7103745" cy="10234295"/>
@@ -4054,6 +4056,1433 @@
               <a:t>HOST</a:t>
             </a:r>
             <a:endParaRPr lang="en-US"/>
+          </a:p>
+        </p:txBody>
+      </p:sp>
+    </p:spTree>
+  </p:cSld>
+  <p:clrMapOvr>
+    <a:masterClrMapping/>
+  </p:clrMapOvr>
+</p:sld>
+</file>
+
+<file path=ppt/slides/slide10.xml><?xml version="1.0" encoding="utf-8"?>
+<p:sld xmlns:a="http://schemas.openxmlformats.org/drawingml/2006/main" xmlns:r="http://schemas.openxmlformats.org/officeDocument/2006/relationships" xmlns:p="http://schemas.openxmlformats.org/presentationml/2006/main">
+  <p:cSld>
+    <p:spTree>
+      <p:nvGrpSpPr>
+        <p:cNvPr id="1" name=""/>
+        <p:cNvGrpSpPr/>
+        <p:nvPr/>
+      </p:nvGrpSpPr>
+      <p:grpSpPr/>
+      <p:sp>
+        <p:nvSpPr>
+          <p:cNvPr id="22" name="Rounded Rectangle 21"/>
+          <p:cNvSpPr/>
+          <p:nvPr/>
+        </p:nvSpPr>
+        <p:spPr>
+          <a:xfrm>
+            <a:off x="7342505" y="2682240"/>
+            <a:ext cx="460375" cy="1073150"/>
+          </a:xfrm>
+          <a:prstGeom prst="roundRect">
+            <a:avLst/>
+          </a:prstGeom>
+          <a:solidFill>
+            <a:schemeClr val="accent2">
+              <a:lumMod val="40000"/>
+              <a:lumOff val="60000"/>
+            </a:schemeClr>
+          </a:solidFill>
+        </p:spPr>
+        <p:style>
+          <a:lnRef idx="2">
+            <a:schemeClr val="accent1">
+              <a:shade val="50000"/>
+            </a:schemeClr>
+          </a:lnRef>
+          <a:fillRef idx="1">
+            <a:schemeClr val="accent1"/>
+          </a:fillRef>
+          <a:effectRef idx="0">
+            <a:schemeClr val="accent1"/>
+          </a:effectRef>
+          <a:fontRef idx="minor">
+            <a:schemeClr val="lt1"/>
+          </a:fontRef>
+        </p:style>
+        <p:txBody>
+          <a:bodyPr rtlCol="0" anchor="ctr"/>
+          <a:p>
+            <a:pPr algn="ctr"/>
+            <a:endParaRPr lang="en-US"/>
+          </a:p>
+        </p:txBody>
+      </p:sp>
+      <p:sp>
+        <p:nvSpPr>
+          <p:cNvPr id="26" name="Rounded Rectangle 25"/>
+          <p:cNvSpPr/>
+          <p:nvPr/>
+        </p:nvSpPr>
+        <p:spPr>
+          <a:xfrm>
+            <a:off x="6882130" y="2682240"/>
+            <a:ext cx="460375" cy="1073150"/>
+          </a:xfrm>
+          <a:prstGeom prst="roundRect">
+            <a:avLst/>
+          </a:prstGeom>
+          <a:solidFill>
+            <a:schemeClr val="accent2">
+              <a:lumMod val="40000"/>
+              <a:lumOff val="60000"/>
+            </a:schemeClr>
+          </a:solidFill>
+        </p:spPr>
+        <p:style>
+          <a:lnRef idx="2">
+            <a:schemeClr val="accent1">
+              <a:shade val="50000"/>
+            </a:schemeClr>
+          </a:lnRef>
+          <a:fillRef idx="1">
+            <a:schemeClr val="accent1"/>
+          </a:fillRef>
+          <a:effectRef idx="0">
+            <a:schemeClr val="accent1"/>
+          </a:effectRef>
+          <a:fontRef idx="minor">
+            <a:schemeClr val="lt1"/>
+          </a:fontRef>
+        </p:style>
+        <p:txBody>
+          <a:bodyPr rtlCol="0" anchor="ctr"/>
+          <a:p>
+            <a:pPr algn="ctr"/>
+            <a:endParaRPr lang="en-US"/>
+          </a:p>
+        </p:txBody>
+      </p:sp>
+      <p:sp>
+        <p:nvSpPr>
+          <p:cNvPr id="25" name="Rounded Rectangle 24"/>
+          <p:cNvSpPr/>
+          <p:nvPr/>
+        </p:nvSpPr>
+        <p:spPr>
+          <a:xfrm>
+            <a:off x="6065520" y="2692400"/>
+            <a:ext cx="460375" cy="1073150"/>
+          </a:xfrm>
+          <a:prstGeom prst="roundRect">
+            <a:avLst/>
+          </a:prstGeom>
+          <a:solidFill>
+            <a:schemeClr val="accent2">
+              <a:lumMod val="40000"/>
+              <a:lumOff val="60000"/>
+            </a:schemeClr>
+          </a:solidFill>
+        </p:spPr>
+        <p:style>
+          <a:lnRef idx="2">
+            <a:schemeClr val="accent1">
+              <a:shade val="50000"/>
+            </a:schemeClr>
+          </a:lnRef>
+          <a:fillRef idx="1">
+            <a:schemeClr val="accent1"/>
+          </a:fillRef>
+          <a:effectRef idx="0">
+            <a:schemeClr val="accent1"/>
+          </a:effectRef>
+          <a:fontRef idx="minor">
+            <a:schemeClr val="lt1"/>
+          </a:fontRef>
+        </p:style>
+        <p:txBody>
+          <a:bodyPr rtlCol="0" anchor="ctr"/>
+          <a:p>
+            <a:pPr algn="ctr"/>
+            <a:endParaRPr lang="en-US"/>
+          </a:p>
+        </p:txBody>
+      </p:sp>
+      <p:sp>
+        <p:nvSpPr>
+          <p:cNvPr id="24" name="Rounded Rectangle 23"/>
+          <p:cNvSpPr/>
+          <p:nvPr/>
+        </p:nvSpPr>
+        <p:spPr>
+          <a:xfrm>
+            <a:off x="5605145" y="2692400"/>
+            <a:ext cx="460375" cy="1073150"/>
+          </a:xfrm>
+          <a:prstGeom prst="roundRect">
+            <a:avLst/>
+          </a:prstGeom>
+          <a:solidFill>
+            <a:schemeClr val="accent2">
+              <a:lumMod val="40000"/>
+              <a:lumOff val="60000"/>
+            </a:schemeClr>
+          </a:solidFill>
+        </p:spPr>
+        <p:style>
+          <a:lnRef idx="2">
+            <a:schemeClr val="accent1">
+              <a:shade val="50000"/>
+            </a:schemeClr>
+          </a:lnRef>
+          <a:fillRef idx="1">
+            <a:schemeClr val="accent1"/>
+          </a:fillRef>
+          <a:effectRef idx="0">
+            <a:schemeClr val="accent1"/>
+          </a:effectRef>
+          <a:fontRef idx="minor">
+            <a:schemeClr val="lt1"/>
+          </a:fontRef>
+        </p:style>
+        <p:txBody>
+          <a:bodyPr rtlCol="0" anchor="ctr"/>
+          <a:p>
+            <a:pPr algn="ctr"/>
+            <a:endParaRPr lang="en-US"/>
+          </a:p>
+        </p:txBody>
+      </p:sp>
+      <p:sp>
+        <p:nvSpPr>
+          <p:cNvPr id="23" name="Rounded Rectangle 22"/>
+          <p:cNvSpPr/>
+          <p:nvPr/>
+        </p:nvSpPr>
+        <p:spPr>
+          <a:xfrm>
+            <a:off x="5144770" y="2682240"/>
+            <a:ext cx="460375" cy="1073150"/>
+          </a:xfrm>
+          <a:prstGeom prst="roundRect">
+            <a:avLst/>
+          </a:prstGeom>
+          <a:solidFill>
+            <a:schemeClr val="accent2">
+              <a:lumMod val="40000"/>
+              <a:lumOff val="60000"/>
+            </a:schemeClr>
+          </a:solidFill>
+        </p:spPr>
+        <p:style>
+          <a:lnRef idx="2">
+            <a:schemeClr val="accent1">
+              <a:shade val="50000"/>
+            </a:schemeClr>
+          </a:lnRef>
+          <a:fillRef idx="1">
+            <a:schemeClr val="accent1"/>
+          </a:fillRef>
+          <a:effectRef idx="0">
+            <a:schemeClr val="accent1"/>
+          </a:effectRef>
+          <a:fontRef idx="minor">
+            <a:schemeClr val="lt1"/>
+          </a:fontRef>
+        </p:style>
+        <p:txBody>
+          <a:bodyPr rtlCol="0" anchor="ctr"/>
+          <a:p>
+            <a:pPr algn="ctr"/>
+            <a:endParaRPr lang="en-US"/>
+          </a:p>
+        </p:txBody>
+      </p:sp>
+      <p:sp>
+        <p:nvSpPr>
+          <p:cNvPr id="27" name="Rounded Rectangle 26"/>
+          <p:cNvSpPr/>
+          <p:nvPr/>
+        </p:nvSpPr>
+        <p:spPr>
+          <a:xfrm>
+            <a:off x="4035425" y="2712720"/>
+            <a:ext cx="460375" cy="1073150"/>
+          </a:xfrm>
+          <a:prstGeom prst="roundRect">
+            <a:avLst/>
+          </a:prstGeom>
+          <a:solidFill>
+            <a:schemeClr val="accent2">
+              <a:lumMod val="40000"/>
+              <a:lumOff val="60000"/>
+            </a:schemeClr>
+          </a:solidFill>
+        </p:spPr>
+        <p:style>
+          <a:lnRef idx="2">
+            <a:schemeClr val="accent1">
+              <a:shade val="50000"/>
+            </a:schemeClr>
+          </a:lnRef>
+          <a:fillRef idx="1">
+            <a:schemeClr val="accent1"/>
+          </a:fillRef>
+          <a:effectRef idx="0">
+            <a:schemeClr val="accent1"/>
+          </a:effectRef>
+          <a:fontRef idx="minor">
+            <a:schemeClr val="lt1"/>
+          </a:fontRef>
+        </p:style>
+        <p:txBody>
+          <a:bodyPr rtlCol="0" anchor="ctr"/>
+          <a:p>
+            <a:pPr algn="ctr"/>
+            <a:endParaRPr lang="en-US"/>
+          </a:p>
+        </p:txBody>
+      </p:sp>
+      <p:sp>
+        <p:nvSpPr>
+          <p:cNvPr id="20" name="Rounded Rectangle 19"/>
+          <p:cNvSpPr/>
+          <p:nvPr/>
+        </p:nvSpPr>
+        <p:spPr>
+          <a:xfrm>
+            <a:off x="3064510" y="2702560"/>
+            <a:ext cx="460375" cy="1073150"/>
+          </a:xfrm>
+          <a:prstGeom prst="roundRect">
+            <a:avLst/>
+          </a:prstGeom>
+          <a:solidFill>
+            <a:schemeClr val="accent2">
+              <a:lumMod val="40000"/>
+              <a:lumOff val="60000"/>
+            </a:schemeClr>
+          </a:solidFill>
+        </p:spPr>
+        <p:style>
+          <a:lnRef idx="2">
+            <a:schemeClr val="accent1">
+              <a:shade val="50000"/>
+            </a:schemeClr>
+          </a:lnRef>
+          <a:fillRef idx="1">
+            <a:schemeClr val="accent1"/>
+          </a:fillRef>
+          <a:effectRef idx="0">
+            <a:schemeClr val="accent1"/>
+          </a:effectRef>
+          <a:fontRef idx="minor">
+            <a:schemeClr val="lt1"/>
+          </a:fontRef>
+        </p:style>
+        <p:txBody>
+          <a:bodyPr rtlCol="0" anchor="ctr"/>
+          <a:p>
+            <a:pPr algn="ctr"/>
+            <a:endParaRPr lang="en-US"/>
+          </a:p>
+        </p:txBody>
+      </p:sp>
+      <p:sp>
+        <p:nvSpPr>
+          <p:cNvPr id="4" name="Rounded Rectangle 3"/>
+          <p:cNvSpPr/>
+          <p:nvPr/>
+        </p:nvSpPr>
+        <p:spPr>
+          <a:xfrm>
+            <a:off x="3085465" y="802005"/>
+            <a:ext cx="5262880" cy="1031875"/>
+          </a:xfrm>
+          <a:prstGeom prst="roundRect">
+            <a:avLst/>
+          </a:prstGeom>
+          <a:solidFill>
+            <a:schemeClr val="bg2">
+              <a:lumMod val="90000"/>
+            </a:schemeClr>
+          </a:solidFill>
+        </p:spPr>
+        <p:style>
+          <a:lnRef idx="2">
+            <a:schemeClr val="accent1">
+              <a:shade val="50000"/>
+            </a:schemeClr>
+          </a:lnRef>
+          <a:fillRef idx="1">
+            <a:schemeClr val="accent1"/>
+          </a:fillRef>
+          <a:effectRef idx="0">
+            <a:schemeClr val="accent1"/>
+          </a:effectRef>
+          <a:fontRef idx="minor">
+            <a:schemeClr val="lt1"/>
+          </a:fontRef>
+        </p:style>
+        <p:txBody>
+          <a:bodyPr rtlCol="0" anchor="ctr"/>
+          <a:p>
+            <a:pPr algn="ctr"/>
+            <a:r>
+              <a:rPr lang="en-US"/>
+              <a:t>Display</a:t>
+            </a:r>
+            <a:endParaRPr lang="en-US"/>
+          </a:p>
+        </p:txBody>
+      </p:sp>
+      <p:cxnSp>
+        <p:nvCxnSpPr>
+          <p:cNvPr id="5" name="Straight Connector 4"/>
+          <p:cNvCxnSpPr/>
+          <p:nvPr/>
+        </p:nvCxnSpPr>
+        <p:spPr>
+          <a:xfrm>
+            <a:off x="2921635" y="1977390"/>
+            <a:ext cx="5508625" cy="10160"/>
+          </a:xfrm>
+          <a:prstGeom prst="line">
+            <a:avLst/>
+          </a:prstGeom>
+        </p:spPr>
+        <p:style>
+          <a:lnRef idx="1">
+            <a:schemeClr val="accent1"/>
+          </a:lnRef>
+          <a:fillRef idx="0">
+            <a:schemeClr val="accent1"/>
+          </a:fillRef>
+          <a:effectRef idx="0">
+            <a:schemeClr val="accent1"/>
+          </a:effectRef>
+          <a:fontRef idx="minor">
+            <a:schemeClr val="tx1"/>
+          </a:fontRef>
+        </p:style>
+      </p:cxnSp>
+      <p:sp>
+        <p:nvSpPr>
+          <p:cNvPr id="6" name="Text Box 5"/>
+          <p:cNvSpPr txBox="1"/>
+          <p:nvPr/>
+        </p:nvSpPr>
+        <p:spPr>
+          <a:xfrm>
+            <a:off x="3841750" y="1783080"/>
+            <a:ext cx="3790950" cy="368300"/>
+          </a:xfrm>
+          <a:prstGeom prst="rect">
+            <a:avLst/>
+          </a:prstGeom>
+          <a:noFill/>
+        </p:spPr>
+        <p:txBody>
+          <a:bodyPr wrap="square" rtlCol="0">
+            <a:spAutoFit/>
+          </a:bodyPr>
+          <a:p>
+            <a:r>
+              <a:rPr lang="en-US"/>
+              <a:t>POSIX API ictl/open/write/read</a:t>
+            </a:r>
+            <a:endParaRPr lang="en-US"/>
+          </a:p>
+        </p:txBody>
+      </p:sp>
+      <p:sp>
+        <p:nvSpPr>
+          <p:cNvPr id="7" name="Rounded Rectangle 6"/>
+          <p:cNvSpPr/>
+          <p:nvPr/>
+        </p:nvSpPr>
+        <p:spPr>
+          <a:xfrm>
+            <a:off x="3085465" y="2375535"/>
+            <a:ext cx="950595" cy="316865"/>
+          </a:xfrm>
+          <a:prstGeom prst="roundRect">
+            <a:avLst/>
+          </a:prstGeom>
+        </p:spPr>
+        <p:style>
+          <a:lnRef idx="2">
+            <a:schemeClr val="accent1">
+              <a:shade val="50000"/>
+            </a:schemeClr>
+          </a:lnRef>
+          <a:fillRef idx="1">
+            <a:schemeClr val="accent1"/>
+          </a:fillRef>
+          <a:effectRef idx="0">
+            <a:schemeClr val="accent1"/>
+          </a:effectRef>
+          <a:fontRef idx="minor">
+            <a:schemeClr val="lt1"/>
+          </a:fontRef>
+        </p:style>
+        <p:txBody>
+          <a:bodyPr rtlCol="0" anchor="ctr"/>
+          <a:p>
+            <a:pPr algn="ctr"/>
+            <a:r>
+              <a:rPr lang="en-US"/>
+              <a:t>redriver</a:t>
+            </a:r>
+            <a:endParaRPr lang="en-US"/>
+          </a:p>
+        </p:txBody>
+      </p:sp>
+      <p:sp>
+        <p:nvSpPr>
+          <p:cNvPr id="8" name="Rounded Rectangle 7"/>
+          <p:cNvSpPr/>
+          <p:nvPr/>
+        </p:nvSpPr>
+        <p:spPr>
+          <a:xfrm>
+            <a:off x="4036060" y="2375535"/>
+            <a:ext cx="1012190" cy="316865"/>
+          </a:xfrm>
+          <a:prstGeom prst="roundRect">
+            <a:avLst/>
+          </a:prstGeom>
+        </p:spPr>
+        <p:style>
+          <a:lnRef idx="2">
+            <a:schemeClr val="accent1">
+              <a:shade val="50000"/>
+            </a:schemeClr>
+          </a:lnRef>
+          <a:fillRef idx="1">
+            <a:schemeClr val="accent1"/>
+          </a:fillRef>
+          <a:effectRef idx="0">
+            <a:schemeClr val="accent1"/>
+          </a:effectRef>
+          <a:fontRef idx="minor">
+            <a:schemeClr val="lt1"/>
+          </a:fontRef>
+        </p:style>
+        <p:txBody>
+          <a:bodyPr rtlCol="0" anchor="ctr"/>
+          <a:p>
+            <a:pPr algn="ctr"/>
+            <a:r>
+              <a:rPr lang="en-US"/>
+              <a:t>deMux</a:t>
+            </a:r>
+            <a:endParaRPr lang="en-US"/>
+          </a:p>
+        </p:txBody>
+      </p:sp>
+      <p:sp>
+        <p:nvSpPr>
+          <p:cNvPr id="9" name="Rounded Rectangle 8"/>
+          <p:cNvSpPr/>
+          <p:nvPr/>
+        </p:nvSpPr>
+        <p:spPr>
+          <a:xfrm>
+            <a:off x="5047615" y="2375535"/>
+            <a:ext cx="1706245" cy="316865"/>
+          </a:xfrm>
+          <a:prstGeom prst="roundRect">
+            <a:avLst/>
+          </a:prstGeom>
+        </p:spPr>
+        <p:style>
+          <a:lnRef idx="2">
+            <a:schemeClr val="accent1">
+              <a:shade val="50000"/>
+            </a:schemeClr>
+          </a:lnRef>
+          <a:fillRef idx="1">
+            <a:schemeClr val="accent1"/>
+          </a:fillRef>
+          <a:effectRef idx="0">
+            <a:schemeClr val="accent1"/>
+          </a:effectRef>
+          <a:fontRef idx="minor">
+            <a:schemeClr val="lt1"/>
+          </a:fontRef>
+        </p:style>
+        <p:txBody>
+          <a:bodyPr rtlCol="0" anchor="ctr"/>
+          <a:p>
+            <a:pPr algn="ctr"/>
+            <a:r>
+              <a:rPr lang="en-US"/>
+              <a:t>bridge</a:t>
+            </a:r>
+            <a:endParaRPr lang="en-US"/>
+          </a:p>
+        </p:txBody>
+      </p:sp>
+      <p:sp>
+        <p:nvSpPr>
+          <p:cNvPr id="10" name="Rounded Rectangle 9"/>
+          <p:cNvSpPr/>
+          <p:nvPr/>
+        </p:nvSpPr>
+        <p:spPr>
+          <a:xfrm>
+            <a:off x="6754495" y="2375535"/>
+            <a:ext cx="1593850" cy="316865"/>
+          </a:xfrm>
+          <a:prstGeom prst="roundRect">
+            <a:avLst/>
+          </a:prstGeom>
+        </p:spPr>
+        <p:style>
+          <a:lnRef idx="2">
+            <a:schemeClr val="accent1">
+              <a:shade val="50000"/>
+            </a:schemeClr>
+          </a:lnRef>
+          <a:fillRef idx="1">
+            <a:schemeClr val="accent1"/>
+          </a:fillRef>
+          <a:effectRef idx="0">
+            <a:schemeClr val="accent1"/>
+          </a:effectRef>
+          <a:fontRef idx="minor">
+            <a:schemeClr val="lt1"/>
+          </a:fontRef>
+        </p:style>
+        <p:txBody>
+          <a:bodyPr rtlCol="0" anchor="ctr"/>
+          <a:p>
+            <a:pPr algn="ctr"/>
+            <a:r>
+              <a:rPr lang="en-US"/>
+              <a:t>panel</a:t>
+            </a:r>
+            <a:endParaRPr lang="en-US"/>
+          </a:p>
+        </p:txBody>
+      </p:sp>
+      <p:sp>
+        <p:nvSpPr>
+          <p:cNvPr id="13" name="Text Box 12"/>
+          <p:cNvSpPr txBox="1"/>
+          <p:nvPr/>
+        </p:nvSpPr>
+        <p:spPr>
+          <a:xfrm>
+            <a:off x="3085465" y="2784475"/>
+            <a:ext cx="459740" cy="889000"/>
+          </a:xfrm>
+          <a:prstGeom prst="rect">
+            <a:avLst/>
+          </a:prstGeom>
+          <a:noFill/>
+        </p:spPr>
+        <p:txBody>
+          <a:bodyPr vert="eaVert" wrap="square" rtlCol="0">
+            <a:spAutoFit/>
+          </a:bodyPr>
+          <a:p>
+            <a:r>
+              <a:rPr lang="en-US"/>
+              <a:t>ptn3605</a:t>
+            </a:r>
+            <a:endParaRPr lang="en-US"/>
+          </a:p>
+        </p:txBody>
+      </p:sp>
+      <p:sp>
+        <p:nvSpPr>
+          <p:cNvPr id="14" name="Text Box 13"/>
+          <p:cNvSpPr txBox="1"/>
+          <p:nvPr/>
+        </p:nvSpPr>
+        <p:spPr>
+          <a:xfrm>
+            <a:off x="4036060" y="2794635"/>
+            <a:ext cx="459740" cy="889000"/>
+          </a:xfrm>
+          <a:prstGeom prst="rect">
+            <a:avLst/>
+          </a:prstGeom>
+          <a:noFill/>
+        </p:spPr>
+        <p:txBody>
+          <a:bodyPr vert="eaVert" wrap="square" rtlCol="0">
+            <a:spAutoFit/>
+          </a:bodyPr>
+          <a:p>
+            <a:r>
+              <a:rPr lang="en-US"/>
+              <a:t>anx7327</a:t>
+            </a:r>
+            <a:endParaRPr lang="en-US"/>
+          </a:p>
+        </p:txBody>
+      </p:sp>
+      <p:sp>
+        <p:nvSpPr>
+          <p:cNvPr id="15" name="Text Box 14"/>
+          <p:cNvSpPr txBox="1"/>
+          <p:nvPr/>
+        </p:nvSpPr>
+        <p:spPr>
+          <a:xfrm>
+            <a:off x="5145405" y="2794635"/>
+            <a:ext cx="459740" cy="1114425"/>
+          </a:xfrm>
+          <a:prstGeom prst="rect">
+            <a:avLst/>
+          </a:prstGeom>
+          <a:noFill/>
+        </p:spPr>
+        <p:txBody>
+          <a:bodyPr vert="eaVert" wrap="square" rtlCol="0">
+            <a:spAutoFit/>
+          </a:bodyPr>
+          <a:p>
+            <a:r>
+              <a:rPr lang="en-US"/>
+              <a:t>lt7911uxc</a:t>
+            </a:r>
+            <a:endParaRPr lang="en-US"/>
+          </a:p>
+        </p:txBody>
+      </p:sp>
+      <p:sp>
+        <p:nvSpPr>
+          <p:cNvPr id="16" name="Text Box 15"/>
+          <p:cNvSpPr txBox="1"/>
+          <p:nvPr/>
+        </p:nvSpPr>
+        <p:spPr>
+          <a:xfrm>
+            <a:off x="6065520" y="2784475"/>
+            <a:ext cx="459740" cy="889000"/>
+          </a:xfrm>
+          <a:prstGeom prst="rect">
+            <a:avLst/>
+          </a:prstGeom>
+          <a:noFill/>
+        </p:spPr>
+        <p:txBody>
+          <a:bodyPr vert="eaVert" wrap="square" rtlCol="0">
+            <a:spAutoFit/>
+          </a:bodyPr>
+          <a:p>
+            <a:r>
+              <a:rPr lang="en-US"/>
+              <a:t>lt7911d</a:t>
+            </a:r>
+            <a:endParaRPr lang="en-US"/>
+          </a:p>
+        </p:txBody>
+      </p:sp>
+      <p:sp>
+        <p:nvSpPr>
+          <p:cNvPr id="17" name="Text Box 16"/>
+          <p:cNvSpPr txBox="1"/>
+          <p:nvPr/>
+        </p:nvSpPr>
+        <p:spPr>
+          <a:xfrm>
+            <a:off x="5604510" y="2784475"/>
+            <a:ext cx="459740" cy="889000"/>
+          </a:xfrm>
+          <a:prstGeom prst="rect">
+            <a:avLst/>
+          </a:prstGeom>
+          <a:noFill/>
+        </p:spPr>
+        <p:txBody>
+          <a:bodyPr vert="eaVert" wrap="square" rtlCol="0">
+            <a:spAutoFit/>
+          </a:bodyPr>
+          <a:p>
+            <a:r>
+              <a:rPr lang="en-US"/>
+              <a:t>lt7211d</a:t>
+            </a:r>
+            <a:endParaRPr lang="en-US"/>
+          </a:p>
+        </p:txBody>
+      </p:sp>
+      <p:sp>
+        <p:nvSpPr>
+          <p:cNvPr id="18" name="Text Box 17"/>
+          <p:cNvSpPr txBox="1"/>
+          <p:nvPr/>
+        </p:nvSpPr>
+        <p:spPr>
+          <a:xfrm>
+            <a:off x="6881495" y="2774315"/>
+            <a:ext cx="459740" cy="889000"/>
+          </a:xfrm>
+          <a:prstGeom prst="rect">
+            <a:avLst/>
+          </a:prstGeom>
+          <a:noFill/>
+        </p:spPr>
+        <p:txBody>
+          <a:bodyPr vert="eaVert" wrap="square" rtlCol="0">
+            <a:spAutoFit/>
+          </a:bodyPr>
+          <a:p>
+            <a:r>
+              <a:rPr lang="en-US"/>
+              <a:t>ecx335</a:t>
+            </a:r>
+            <a:endParaRPr lang="en-US"/>
+          </a:p>
+        </p:txBody>
+      </p:sp>
+      <p:sp>
+        <p:nvSpPr>
+          <p:cNvPr id="19" name="Text Box 18"/>
+          <p:cNvSpPr txBox="1"/>
+          <p:nvPr/>
+        </p:nvSpPr>
+        <p:spPr>
+          <a:xfrm>
+            <a:off x="7342505" y="2774315"/>
+            <a:ext cx="459740" cy="889000"/>
+          </a:xfrm>
+          <a:prstGeom prst="rect">
+            <a:avLst/>
+          </a:prstGeom>
+          <a:noFill/>
+        </p:spPr>
+        <p:txBody>
+          <a:bodyPr vert="eaVert" wrap="square" rtlCol="0">
+            <a:spAutoFit/>
+          </a:bodyPr>
+          <a:p>
+            <a:r>
+              <a:rPr lang="en-US"/>
+              <a:t>ecx343</a:t>
+            </a:r>
+            <a:endParaRPr lang="en-US"/>
+          </a:p>
+        </p:txBody>
+      </p:sp>
+      <p:sp>
+        <p:nvSpPr>
+          <p:cNvPr id="28" name="Rounded Rectangle 27"/>
+          <p:cNvSpPr/>
+          <p:nvPr/>
+        </p:nvSpPr>
+        <p:spPr>
+          <a:xfrm>
+            <a:off x="3524250" y="2722880"/>
+            <a:ext cx="460375" cy="1073150"/>
+          </a:xfrm>
+          <a:prstGeom prst="roundRect">
+            <a:avLst/>
+          </a:prstGeom>
+          <a:solidFill>
+            <a:schemeClr val="accent2">
+              <a:lumMod val="40000"/>
+              <a:lumOff val="60000"/>
+            </a:schemeClr>
+          </a:solidFill>
+        </p:spPr>
+        <p:style>
+          <a:lnRef idx="2">
+            <a:schemeClr val="accent1">
+              <a:shade val="50000"/>
+            </a:schemeClr>
+          </a:lnRef>
+          <a:fillRef idx="1">
+            <a:schemeClr val="accent1"/>
+          </a:fillRef>
+          <a:effectRef idx="0">
+            <a:schemeClr val="accent1"/>
+          </a:effectRef>
+          <a:fontRef idx="minor">
+            <a:schemeClr val="lt1"/>
+          </a:fontRef>
+        </p:style>
+        <p:txBody>
+          <a:bodyPr rtlCol="0" anchor="ctr"/>
+          <a:p>
+            <a:pPr algn="ctr"/>
+            <a:endParaRPr lang="en-US"/>
+          </a:p>
+        </p:txBody>
+      </p:sp>
+      <p:sp>
+        <p:nvSpPr>
+          <p:cNvPr id="29" name="Text Box 28"/>
+          <p:cNvSpPr txBox="1"/>
+          <p:nvPr/>
+        </p:nvSpPr>
+        <p:spPr>
+          <a:xfrm>
+            <a:off x="3545205" y="2804795"/>
+            <a:ext cx="459740" cy="889000"/>
+          </a:xfrm>
+          <a:prstGeom prst="rect">
+            <a:avLst/>
+          </a:prstGeom>
+          <a:noFill/>
+        </p:spPr>
+        <p:txBody>
+          <a:bodyPr vert="eaVert" wrap="square" rtlCol="0">
+            <a:spAutoFit/>
+          </a:bodyPr>
+          <a:p>
+            <a:r>
+              <a:rPr lang="en-US"/>
+              <a:t>others</a:t>
+            </a:r>
+            <a:endParaRPr lang="en-US"/>
+          </a:p>
+        </p:txBody>
+      </p:sp>
+      <p:sp>
+        <p:nvSpPr>
+          <p:cNvPr id="30" name="Rounded Rectangle 29"/>
+          <p:cNvSpPr/>
+          <p:nvPr/>
+        </p:nvSpPr>
+        <p:spPr>
+          <a:xfrm>
+            <a:off x="4495800" y="2722880"/>
+            <a:ext cx="460375" cy="1073150"/>
+          </a:xfrm>
+          <a:prstGeom prst="roundRect">
+            <a:avLst/>
+          </a:prstGeom>
+          <a:solidFill>
+            <a:schemeClr val="accent2">
+              <a:lumMod val="40000"/>
+              <a:lumOff val="60000"/>
+            </a:schemeClr>
+          </a:solidFill>
+        </p:spPr>
+        <p:style>
+          <a:lnRef idx="2">
+            <a:schemeClr val="accent1">
+              <a:shade val="50000"/>
+            </a:schemeClr>
+          </a:lnRef>
+          <a:fillRef idx="1">
+            <a:schemeClr val="accent1"/>
+          </a:fillRef>
+          <a:effectRef idx="0">
+            <a:schemeClr val="accent1"/>
+          </a:effectRef>
+          <a:fontRef idx="minor">
+            <a:schemeClr val="lt1"/>
+          </a:fontRef>
+        </p:style>
+        <p:txBody>
+          <a:bodyPr rtlCol="0" anchor="ctr"/>
+          <a:p>
+            <a:pPr algn="ctr"/>
+            <a:endParaRPr lang="en-US"/>
+          </a:p>
+        </p:txBody>
+      </p:sp>
+      <p:sp>
+        <p:nvSpPr>
+          <p:cNvPr id="31" name="Text Box 30"/>
+          <p:cNvSpPr txBox="1"/>
+          <p:nvPr/>
+        </p:nvSpPr>
+        <p:spPr>
+          <a:xfrm>
+            <a:off x="4495800" y="2794635"/>
+            <a:ext cx="459740" cy="889000"/>
+          </a:xfrm>
+          <a:prstGeom prst="rect">
+            <a:avLst/>
+          </a:prstGeom>
+          <a:noFill/>
+        </p:spPr>
+        <p:txBody>
+          <a:bodyPr vert="eaVert" wrap="square" rtlCol="0">
+            <a:spAutoFit/>
+          </a:bodyPr>
+          <a:p>
+            <a:r>
+              <a:rPr lang="en-US"/>
+              <a:t>others</a:t>
+            </a:r>
+            <a:endParaRPr lang="en-US"/>
+          </a:p>
+        </p:txBody>
+      </p:sp>
+    </p:spTree>
+  </p:cSld>
+  <p:clrMapOvr>
+    <a:masterClrMapping/>
+  </p:clrMapOvr>
+</p:sld>
+</file>
+
+<file path=ppt/slides/slide11.xml><?xml version="1.0" encoding="utf-8"?>
+<p:sld xmlns:a="http://schemas.openxmlformats.org/drawingml/2006/main" xmlns:r="http://schemas.openxmlformats.org/officeDocument/2006/relationships" xmlns:p="http://schemas.openxmlformats.org/presentationml/2006/main">
+  <p:cSld>
+    <p:spTree>
+      <p:nvGrpSpPr>
+        <p:cNvPr id="1" name=""/>
+        <p:cNvGrpSpPr/>
+        <p:nvPr/>
+      </p:nvGrpSpPr>
+      <p:grpSpPr/>
+      <p:sp>
+        <p:nvSpPr>
+          <p:cNvPr id="4" name="Rectangles 3"/>
+          <p:cNvSpPr/>
+          <p:nvPr/>
+        </p:nvSpPr>
+        <p:spPr>
+          <a:xfrm>
+            <a:off x="2971800" y="1333500"/>
+            <a:ext cx="5362575" cy="560070"/>
+          </a:xfrm>
+          <a:prstGeom prst="rect">
+            <a:avLst/>
+          </a:prstGeom>
+        </p:spPr>
+        <p:style>
+          <a:lnRef idx="2">
+            <a:schemeClr val="accent1">
+              <a:shade val="50000"/>
+            </a:schemeClr>
+          </a:lnRef>
+          <a:fillRef idx="1">
+            <a:schemeClr val="accent1"/>
+          </a:fillRef>
+          <a:effectRef idx="0">
+            <a:schemeClr val="accent1"/>
+          </a:effectRef>
+          <a:fontRef idx="minor">
+            <a:schemeClr val="lt1"/>
+          </a:fontRef>
+        </p:style>
+        <p:txBody>
+          <a:bodyPr rtlCol="0" anchor="ctr"/>
+          <a:p>
+            <a:pPr algn="ctr"/>
+            <a:r>
+              <a:rPr lang="zh-CN" altLang="en-US"/>
+              <a:t>应用程序和标准应用组件库</a:t>
+            </a:r>
+            <a:endParaRPr lang="zh-CN" altLang="en-US"/>
+          </a:p>
+        </p:txBody>
+      </p:sp>
+      <p:sp>
+        <p:nvSpPr>
+          <p:cNvPr id="5" name="Rectangles 4"/>
+          <p:cNvSpPr/>
+          <p:nvPr/>
+        </p:nvSpPr>
+        <p:spPr>
+          <a:xfrm>
+            <a:off x="2971800" y="1893570"/>
+            <a:ext cx="1787525" cy="483870"/>
+          </a:xfrm>
+          <a:prstGeom prst="rect">
+            <a:avLst/>
+          </a:prstGeom>
+        </p:spPr>
+        <p:style>
+          <a:lnRef idx="2">
+            <a:schemeClr val="accent1">
+              <a:shade val="50000"/>
+            </a:schemeClr>
+          </a:lnRef>
+          <a:fillRef idx="1">
+            <a:schemeClr val="accent1"/>
+          </a:fillRef>
+          <a:effectRef idx="0">
+            <a:schemeClr val="accent1"/>
+          </a:effectRef>
+          <a:fontRef idx="minor">
+            <a:schemeClr val="lt1"/>
+          </a:fontRef>
+        </p:style>
+        <p:txBody>
+          <a:bodyPr rtlCol="0" anchor="ctr"/>
+          <a:p>
+            <a:pPr algn="ctr"/>
+            <a:r>
+              <a:rPr lang="en-US"/>
+              <a:t>RTEMS </a:t>
+            </a:r>
+            <a:r>
+              <a:rPr lang="zh-CN" altLang="en-US"/>
+              <a:t>接口</a:t>
+            </a:r>
+            <a:endParaRPr lang="zh-CN" altLang="en-US"/>
+          </a:p>
+        </p:txBody>
+      </p:sp>
+      <p:sp>
+        <p:nvSpPr>
+          <p:cNvPr id="6" name="Rectangles 5"/>
+          <p:cNvSpPr/>
+          <p:nvPr/>
+        </p:nvSpPr>
+        <p:spPr>
+          <a:xfrm>
+            <a:off x="4759325" y="1893570"/>
+            <a:ext cx="1787525" cy="483870"/>
+          </a:xfrm>
+          <a:prstGeom prst="rect">
+            <a:avLst/>
+          </a:prstGeom>
+        </p:spPr>
+        <p:style>
+          <a:lnRef idx="2">
+            <a:schemeClr val="accent1">
+              <a:shade val="50000"/>
+            </a:schemeClr>
+          </a:lnRef>
+          <a:fillRef idx="1">
+            <a:schemeClr val="accent1"/>
+          </a:fillRef>
+          <a:effectRef idx="0">
+            <a:schemeClr val="accent1"/>
+          </a:effectRef>
+          <a:fontRef idx="minor">
+            <a:schemeClr val="lt1"/>
+          </a:fontRef>
+        </p:style>
+        <p:txBody>
+          <a:bodyPr rtlCol="0" anchor="ctr"/>
+          <a:p>
+            <a:pPr algn="ctr"/>
+            <a:r>
+              <a:rPr lang="en-US" altLang="zh-CN"/>
+              <a:t>POSIX</a:t>
+            </a:r>
+            <a:r>
+              <a:rPr lang="zh-CN" altLang="en-US"/>
+              <a:t>接口</a:t>
+            </a:r>
+            <a:endParaRPr lang="zh-CN" altLang="en-US"/>
+          </a:p>
+        </p:txBody>
+      </p:sp>
+      <p:sp>
+        <p:nvSpPr>
+          <p:cNvPr id="7" name="Rectangles 6"/>
+          <p:cNvSpPr/>
+          <p:nvPr/>
+        </p:nvSpPr>
+        <p:spPr>
+          <a:xfrm>
+            <a:off x="6546850" y="1893570"/>
+            <a:ext cx="1787525" cy="483870"/>
+          </a:xfrm>
+          <a:prstGeom prst="rect">
+            <a:avLst/>
+          </a:prstGeom>
+        </p:spPr>
+        <p:style>
+          <a:lnRef idx="2">
+            <a:schemeClr val="accent1">
+              <a:shade val="50000"/>
+            </a:schemeClr>
+          </a:lnRef>
+          <a:fillRef idx="1">
+            <a:schemeClr val="accent1"/>
+          </a:fillRef>
+          <a:effectRef idx="0">
+            <a:schemeClr val="accent1"/>
+          </a:effectRef>
+          <a:fontRef idx="minor">
+            <a:schemeClr val="lt1"/>
+          </a:fontRef>
+        </p:style>
+        <p:txBody>
+          <a:bodyPr rtlCol="0" anchor="ctr"/>
+          <a:p>
+            <a:pPr algn="ctr"/>
+            <a:r>
+              <a:rPr lang="en-US" altLang="zh-CN"/>
+              <a:t>ITRON</a:t>
+            </a:r>
+            <a:r>
+              <a:rPr lang="zh-CN" altLang="en-US"/>
+              <a:t>接口</a:t>
+            </a:r>
+            <a:endParaRPr lang="zh-CN" altLang="en-US"/>
+          </a:p>
+        </p:txBody>
+      </p:sp>
+      <p:sp>
+        <p:nvSpPr>
+          <p:cNvPr id="8" name="Rectangles 7"/>
+          <p:cNvSpPr/>
+          <p:nvPr/>
+        </p:nvSpPr>
+        <p:spPr>
+          <a:xfrm>
+            <a:off x="2971800" y="2377440"/>
+            <a:ext cx="5362575" cy="560070"/>
+          </a:xfrm>
+          <a:prstGeom prst="rect">
+            <a:avLst/>
+          </a:prstGeom>
+        </p:spPr>
+        <p:style>
+          <a:lnRef idx="2">
+            <a:schemeClr val="accent1">
+              <a:shade val="50000"/>
+            </a:schemeClr>
+          </a:lnRef>
+          <a:fillRef idx="1">
+            <a:schemeClr val="accent1"/>
+          </a:fillRef>
+          <a:effectRef idx="0">
+            <a:schemeClr val="accent1"/>
+          </a:effectRef>
+          <a:fontRef idx="minor">
+            <a:schemeClr val="lt1"/>
+          </a:fontRef>
+        </p:style>
+        <p:txBody>
+          <a:bodyPr rtlCol="0" anchor="ctr"/>
+          <a:p>
+            <a:pPr algn="ctr"/>
+            <a:r>
+              <a:rPr lang="zh-CN" altLang="en-US"/>
+              <a:t>管理器</a:t>
+            </a:r>
+            <a:endParaRPr lang="zh-CN" altLang="en-US"/>
+          </a:p>
+        </p:txBody>
+      </p:sp>
+      <p:sp>
+        <p:nvSpPr>
+          <p:cNvPr id="9" name="Rectangles 8"/>
+          <p:cNvSpPr/>
+          <p:nvPr/>
+        </p:nvSpPr>
+        <p:spPr>
+          <a:xfrm>
+            <a:off x="2971800" y="2937510"/>
+            <a:ext cx="5362575" cy="560070"/>
+          </a:xfrm>
+          <a:prstGeom prst="rect">
+            <a:avLst/>
+          </a:prstGeom>
+        </p:spPr>
+        <p:style>
+          <a:lnRef idx="2">
+            <a:schemeClr val="accent1">
+              <a:shade val="50000"/>
+            </a:schemeClr>
+          </a:lnRef>
+          <a:fillRef idx="1">
+            <a:schemeClr val="accent1"/>
+          </a:fillRef>
+          <a:effectRef idx="0">
+            <a:schemeClr val="accent1"/>
+          </a:effectRef>
+          <a:fontRef idx="minor">
+            <a:schemeClr val="lt1"/>
+          </a:fontRef>
+        </p:style>
+        <p:txBody>
+          <a:bodyPr rtlCol="0" anchor="ctr"/>
+          <a:p>
+            <a:pPr algn="ctr"/>
+            <a:r>
+              <a:rPr lang="zh-CN" altLang="en-US"/>
+              <a:t>超核</a:t>
+            </a:r>
+            <a:endParaRPr lang="zh-CN" altLang="en-US"/>
+          </a:p>
+        </p:txBody>
+      </p:sp>
+      <p:sp>
+        <p:nvSpPr>
+          <p:cNvPr id="10" name="Rectangles 9"/>
+          <p:cNvSpPr/>
+          <p:nvPr/>
+        </p:nvSpPr>
+        <p:spPr>
+          <a:xfrm>
+            <a:off x="2971800" y="3497580"/>
+            <a:ext cx="5362575" cy="560070"/>
+          </a:xfrm>
+          <a:prstGeom prst="rect">
+            <a:avLst/>
+          </a:prstGeom>
+        </p:spPr>
+        <p:style>
+          <a:lnRef idx="2">
+            <a:schemeClr val="accent1">
+              <a:shade val="50000"/>
+            </a:schemeClr>
+          </a:lnRef>
+          <a:fillRef idx="1">
+            <a:schemeClr val="accent1"/>
+          </a:fillRef>
+          <a:effectRef idx="0">
+            <a:schemeClr val="accent1"/>
+          </a:effectRef>
+          <a:fontRef idx="minor">
+            <a:schemeClr val="lt1"/>
+          </a:fontRef>
+        </p:style>
+        <p:txBody>
+          <a:bodyPr rtlCol="0" anchor="ctr"/>
+          <a:p>
+            <a:pPr algn="ctr"/>
+            <a:r>
+              <a:rPr lang="zh-CN" altLang="en-US"/>
+              <a:t>板卡支持包</a:t>
+            </a:r>
+            <a:r>
+              <a:rPr lang="en-US" altLang="zh-CN"/>
+              <a:t>BSP</a:t>
+            </a:r>
+            <a:endParaRPr lang="en-US" altLang="zh-CN"/>
+          </a:p>
+        </p:txBody>
+      </p:sp>
+      <p:sp>
+        <p:nvSpPr>
+          <p:cNvPr id="11" name="Rectangles 10"/>
+          <p:cNvSpPr/>
+          <p:nvPr/>
+        </p:nvSpPr>
+        <p:spPr>
+          <a:xfrm>
+            <a:off x="2971800" y="4057650"/>
+            <a:ext cx="1787525" cy="483870"/>
+          </a:xfrm>
+          <a:prstGeom prst="rect">
+            <a:avLst/>
+          </a:prstGeom>
+        </p:spPr>
+        <p:style>
+          <a:lnRef idx="2">
+            <a:schemeClr val="accent1">
+              <a:shade val="50000"/>
+            </a:schemeClr>
+          </a:lnRef>
+          <a:fillRef idx="1">
+            <a:schemeClr val="accent1"/>
+          </a:fillRef>
+          <a:effectRef idx="0">
+            <a:schemeClr val="accent1"/>
+          </a:effectRef>
+          <a:fontRef idx="minor">
+            <a:schemeClr val="lt1"/>
+          </a:fontRef>
+        </p:style>
+        <p:txBody>
+          <a:bodyPr rtlCol="0" anchor="ctr"/>
+          <a:p>
+            <a:pPr algn="ctr"/>
+            <a:r>
+              <a:rPr lang="zh-CN" altLang="en-US"/>
+              <a:t>微处理器</a:t>
+            </a:r>
+            <a:endParaRPr lang="zh-CN" altLang="en-US"/>
+          </a:p>
+        </p:txBody>
+      </p:sp>
+      <p:sp>
+        <p:nvSpPr>
+          <p:cNvPr id="12" name="Rectangles 11"/>
+          <p:cNvSpPr/>
+          <p:nvPr/>
+        </p:nvSpPr>
+        <p:spPr>
+          <a:xfrm>
+            <a:off x="4759325" y="4057650"/>
+            <a:ext cx="1787525" cy="483870"/>
+          </a:xfrm>
+          <a:prstGeom prst="rect">
+            <a:avLst/>
+          </a:prstGeom>
+        </p:spPr>
+        <p:style>
+          <a:lnRef idx="2">
+            <a:schemeClr val="accent1">
+              <a:shade val="50000"/>
+            </a:schemeClr>
+          </a:lnRef>
+          <a:fillRef idx="1">
+            <a:schemeClr val="accent1"/>
+          </a:fillRef>
+          <a:effectRef idx="0">
+            <a:schemeClr val="accent1"/>
+          </a:effectRef>
+          <a:fontRef idx="minor">
+            <a:schemeClr val="lt1"/>
+          </a:fontRef>
+        </p:style>
+        <p:txBody>
+          <a:bodyPr rtlCol="0" anchor="ctr"/>
+          <a:p>
+            <a:pPr algn="ctr"/>
+            <a:r>
+              <a:rPr lang="zh-CN" altLang="en-US"/>
+              <a:t>处理器</a:t>
+            </a:r>
+            <a:endParaRPr lang="zh-CN" altLang="en-US"/>
+          </a:p>
+        </p:txBody>
+      </p:sp>
+      <p:sp>
+        <p:nvSpPr>
+          <p:cNvPr id="13" name="Rectangles 12"/>
+          <p:cNvSpPr/>
+          <p:nvPr/>
+        </p:nvSpPr>
+        <p:spPr>
+          <a:xfrm>
+            <a:off x="6546850" y="4057650"/>
+            <a:ext cx="1787525" cy="483870"/>
+          </a:xfrm>
+          <a:prstGeom prst="rect">
+            <a:avLst/>
+          </a:prstGeom>
+        </p:spPr>
+        <p:style>
+          <a:lnRef idx="2">
+            <a:schemeClr val="accent1">
+              <a:shade val="50000"/>
+            </a:schemeClr>
+          </a:lnRef>
+          <a:fillRef idx="1">
+            <a:schemeClr val="accent1"/>
+          </a:fillRef>
+          <a:effectRef idx="0">
+            <a:schemeClr val="accent1"/>
+          </a:effectRef>
+          <a:fontRef idx="minor">
+            <a:schemeClr val="lt1"/>
+          </a:fontRef>
+        </p:style>
+        <p:txBody>
+          <a:bodyPr rtlCol="0" anchor="ctr"/>
+          <a:p>
+            <a:pPr algn="ctr"/>
+            <a:r>
+              <a:rPr lang="zh-CN" altLang="en-US"/>
+              <a:t>外设</a:t>
+            </a:r>
+            <a:endParaRPr lang="zh-CN" altLang="en-US"/>
           </a:p>
         </p:txBody>
       </p:sp>
